--- a/vwan/02-vwan-route-to-shared-services-vnet/media/network-diagram.pptx
+++ b/vwan/02-vwan-route-to-shared-services-vnet/media/network-diagram.pptx
@@ -267,7 +267,7 @@
           <a:p>
             <a:fld id="{C32C1A78-831A-4EFB-941F-5ED6E3272ABF}" type="datetimeFigureOut">
               <a:rPr lang="en-GB" smtClean="0"/>
-              <a:t>13/09/2021</a:t>
+              <a:t>14/09/2021</a:t>
             </a:fld>
             <a:endParaRPr lang="en-GB"/>
           </a:p>
@@ -467,7 +467,7 @@
           <a:p>
             <a:fld id="{C32C1A78-831A-4EFB-941F-5ED6E3272ABF}" type="datetimeFigureOut">
               <a:rPr lang="en-GB" smtClean="0"/>
-              <a:t>13/09/2021</a:t>
+              <a:t>14/09/2021</a:t>
             </a:fld>
             <a:endParaRPr lang="en-GB"/>
           </a:p>
@@ -677,7 +677,7 @@
           <a:p>
             <a:fld id="{C32C1A78-831A-4EFB-941F-5ED6E3272ABF}" type="datetimeFigureOut">
               <a:rPr lang="en-GB" smtClean="0"/>
-              <a:t>13/09/2021</a:t>
+              <a:t>14/09/2021</a:t>
             </a:fld>
             <a:endParaRPr lang="en-GB"/>
           </a:p>
@@ -877,7 +877,7 @@
           <a:p>
             <a:fld id="{C32C1A78-831A-4EFB-941F-5ED6E3272ABF}" type="datetimeFigureOut">
               <a:rPr lang="en-GB" smtClean="0"/>
-              <a:t>13/09/2021</a:t>
+              <a:t>14/09/2021</a:t>
             </a:fld>
             <a:endParaRPr lang="en-GB"/>
           </a:p>
@@ -1153,7 +1153,7 @@
           <a:p>
             <a:fld id="{C32C1A78-831A-4EFB-941F-5ED6E3272ABF}" type="datetimeFigureOut">
               <a:rPr lang="en-GB" smtClean="0"/>
-              <a:t>13/09/2021</a:t>
+              <a:t>14/09/2021</a:t>
             </a:fld>
             <a:endParaRPr lang="en-GB"/>
           </a:p>
@@ -1421,7 +1421,7 @@
           <a:p>
             <a:fld id="{C32C1A78-831A-4EFB-941F-5ED6E3272ABF}" type="datetimeFigureOut">
               <a:rPr lang="en-GB" smtClean="0"/>
-              <a:t>13/09/2021</a:t>
+              <a:t>14/09/2021</a:t>
             </a:fld>
             <a:endParaRPr lang="en-GB"/>
           </a:p>
@@ -1836,7 +1836,7 @@
           <a:p>
             <a:fld id="{C32C1A78-831A-4EFB-941F-5ED6E3272ABF}" type="datetimeFigureOut">
               <a:rPr lang="en-GB" smtClean="0"/>
-              <a:t>13/09/2021</a:t>
+              <a:t>14/09/2021</a:t>
             </a:fld>
             <a:endParaRPr lang="en-GB"/>
           </a:p>
@@ -1978,7 +1978,7 @@
           <a:p>
             <a:fld id="{C32C1A78-831A-4EFB-941F-5ED6E3272ABF}" type="datetimeFigureOut">
               <a:rPr lang="en-GB" smtClean="0"/>
-              <a:t>13/09/2021</a:t>
+              <a:t>14/09/2021</a:t>
             </a:fld>
             <a:endParaRPr lang="en-GB"/>
           </a:p>
@@ -2091,7 +2091,7 @@
           <a:p>
             <a:fld id="{C32C1A78-831A-4EFB-941F-5ED6E3272ABF}" type="datetimeFigureOut">
               <a:rPr lang="en-GB" smtClean="0"/>
-              <a:t>13/09/2021</a:t>
+              <a:t>14/09/2021</a:t>
             </a:fld>
             <a:endParaRPr lang="en-GB"/>
           </a:p>
@@ -2404,7 +2404,7 @@
           <a:p>
             <a:fld id="{C32C1A78-831A-4EFB-941F-5ED6E3272ABF}" type="datetimeFigureOut">
               <a:rPr lang="en-GB" smtClean="0"/>
-              <a:t>13/09/2021</a:t>
+              <a:t>14/09/2021</a:t>
             </a:fld>
             <a:endParaRPr lang="en-GB"/>
           </a:p>
@@ -2693,7 +2693,7 @@
           <a:p>
             <a:fld id="{C32C1A78-831A-4EFB-941F-5ED6E3272ABF}" type="datetimeFigureOut">
               <a:rPr lang="en-GB" smtClean="0"/>
-              <a:t>13/09/2021</a:t>
+              <a:t>14/09/2021</a:t>
             </a:fld>
             <a:endParaRPr lang="en-GB"/>
           </a:p>
@@ -2936,7 +2936,7 @@
           <a:p>
             <a:fld id="{C32C1A78-831A-4EFB-941F-5ED6E3272ABF}" type="datetimeFigureOut">
               <a:rPr lang="en-GB" smtClean="0"/>
-              <a:t>13/09/2021</a:t>
+              <a:t>14/09/2021</a:t>
             </a:fld>
             <a:endParaRPr lang="en-GB"/>
           </a:p>
@@ -6303,10 +6303,10 @@
         </p:nvGrpSpPr>
         <p:grpSpPr>
           <a:xfrm>
-            <a:off x="3666517" y="1426111"/>
-            <a:ext cx="909124" cy="992615"/>
-            <a:chOff x="3051318" y="2267825"/>
-            <a:chExt cx="909124" cy="991658"/>
+            <a:off x="3639549" y="1426111"/>
+            <a:ext cx="936092" cy="992615"/>
+            <a:chOff x="3024350" y="2267825"/>
+            <a:chExt cx="936092" cy="991658"/>
           </a:xfrm>
         </p:grpSpPr>
         <p:pic>
@@ -6331,7 +6331,7 @@
           </p:blipFill>
           <p:spPr>
             <a:xfrm>
-              <a:off x="3078391" y="2974123"/>
+              <a:off x="3024350" y="2858434"/>
               <a:ext cx="388064" cy="248361"/>
             </a:xfrm>
             <a:prstGeom prst="rect">
@@ -6405,7 +6405,7 @@
           </p:nvSpPr>
           <p:spPr>
             <a:xfrm>
-              <a:off x="3072134" y="2735844"/>
+              <a:off x="3027371" y="2664450"/>
               <a:ext cx="511679" cy="261358"/>
             </a:xfrm>
             <a:prstGeom prst="rect">
@@ -9133,7 +9133,7 @@
         <p:spPr>
           <a:xfrm>
             <a:off x="4070729" y="2409823"/>
-            <a:ext cx="2706441" cy="1108245"/>
+            <a:ext cx="2773849" cy="1108245"/>
           </a:xfrm>
           <a:custGeom>
             <a:avLst/>
@@ -9284,8 +9284,8 @@
         </p:nvSpPr>
         <p:spPr>
           <a:xfrm>
-            <a:off x="3882441" y="2352676"/>
-            <a:ext cx="3794709" cy="1311688"/>
+            <a:off x="3986223" y="2352676"/>
+            <a:ext cx="3690928" cy="1312506"/>
           </a:xfrm>
           <a:custGeom>
             <a:avLst/>
@@ -9320,6 +9320,16 @@
               <a:gd name="connsiteY3" fmla="*/ 771525 h 1311688"/>
               <a:gd name="connsiteX4" fmla="*/ 3794709 w 3794709"/>
               <a:gd name="connsiteY4" fmla="*/ 0 h 1311688"/>
+              <a:gd name="connsiteX0" fmla="*/ 80768 w 3690928"/>
+              <a:gd name="connsiteY0" fmla="*/ 31812 h 1312506"/>
+              <a:gd name="connsiteX1" fmla="*/ 319078 w 3690928"/>
+              <a:gd name="connsiteY1" fmla="*/ 1076325 h 1312506"/>
+              <a:gd name="connsiteX2" fmla="*/ 2424103 w 3690928"/>
+              <a:gd name="connsiteY2" fmla="*/ 1295400 h 1312506"/>
+              <a:gd name="connsiteX3" fmla="*/ 3490903 w 3690928"/>
+              <a:gd name="connsiteY3" fmla="*/ 771525 h 1312506"/>
+              <a:gd name="connsiteX4" fmla="*/ 3690928 w 3690928"/>
+              <a:gd name="connsiteY4" fmla="*/ 0 h 1312506"/>
             </a:gdLst>
             <a:ahLst/>
             <a:cxnLst>
@@ -9341,29 +9351,29 @@
             </a:cxnLst>
             <a:rect l="l" t="t" r="r" b="b"/>
             <a:pathLst>
-              <a:path w="3794709" h="1311688">
+              <a:path w="3690928" h="1312506">
                 <a:moveTo>
-                  <a:pt x="51384" y="76200"/>
+                  <a:pt x="80768" y="31812"/>
                 </a:moveTo>
                 <a:cubicBezTo>
-                  <a:pt x="-69266" y="441325"/>
-                  <a:pt x="10109" y="873125"/>
-                  <a:pt x="422859" y="1076325"/>
+                  <a:pt x="-39882" y="396937"/>
+                  <a:pt x="-71478" y="865727"/>
+                  <a:pt x="319078" y="1076325"/>
                 </a:cubicBezTo>
                 <a:cubicBezTo>
-                  <a:pt x="835609" y="1279525"/>
-                  <a:pt x="1999247" y="1346200"/>
-                  <a:pt x="2527884" y="1295400"/>
+                  <a:pt x="709634" y="1286923"/>
+                  <a:pt x="1895466" y="1346200"/>
+                  <a:pt x="2424103" y="1295400"/>
                 </a:cubicBezTo>
                 <a:cubicBezTo>
-                  <a:pt x="3056521" y="1244600"/>
-                  <a:pt x="3383547" y="987425"/>
-                  <a:pt x="3594684" y="771525"/>
+                  <a:pt x="2952740" y="1244600"/>
+                  <a:pt x="3279766" y="987425"/>
+                  <a:pt x="3490903" y="771525"/>
                 </a:cubicBezTo>
                 <a:cubicBezTo>
-                  <a:pt x="3805821" y="555625"/>
-                  <a:pt x="3781215" y="173037"/>
-                  <a:pt x="3794709" y="0"/>
+                  <a:pt x="3702040" y="555625"/>
+                  <a:pt x="3677434" y="173037"/>
+                  <a:pt x="3690928" y="0"/>
                 </a:cubicBezTo>
               </a:path>
             </a:pathLst>
@@ -9416,8 +9426,8 @@
         </p:nvSpPr>
         <p:spPr>
           <a:xfrm>
-            <a:off x="3713164" y="2305049"/>
-            <a:ext cx="1154110" cy="2803793"/>
+            <a:off x="3691549" y="2145251"/>
+            <a:ext cx="1175725" cy="2963591"/>
           </a:xfrm>
           <a:custGeom>
             <a:avLst/>
@@ -9472,6 +9482,36 @@
               <a:gd name="connsiteY3" fmla="*/ 657225 h 2803793"/>
               <a:gd name="connsiteX4" fmla="*/ 268285 w 1154110"/>
               <a:gd name="connsiteY4" fmla="*/ 0 h 2803793"/>
+              <a:gd name="connsiteX0" fmla="*/ 1151629 w 1151629"/>
+              <a:gd name="connsiteY0" fmla="*/ 2897357 h 2910325"/>
+              <a:gd name="connsiteX1" fmla="*/ 903979 w 1151629"/>
+              <a:gd name="connsiteY1" fmla="*/ 2592557 h 2910325"/>
+              <a:gd name="connsiteX2" fmla="*/ 599179 w 1151629"/>
+              <a:gd name="connsiteY2" fmla="*/ 1830557 h 2910325"/>
+              <a:gd name="connsiteX3" fmla="*/ 8629 w 1151629"/>
+              <a:gd name="connsiteY3" fmla="*/ 763757 h 2910325"/>
+              <a:gd name="connsiteX4" fmla="*/ 310193 w 1151629"/>
+              <a:gd name="connsiteY4" fmla="*/ 0 h 2910325"/>
+              <a:gd name="connsiteX0" fmla="*/ 1177219 w 1177219"/>
+              <a:gd name="connsiteY0" fmla="*/ 2897357 h 2910325"/>
+              <a:gd name="connsiteX1" fmla="*/ 929569 w 1177219"/>
+              <a:gd name="connsiteY1" fmla="*/ 2592557 h 2910325"/>
+              <a:gd name="connsiteX2" fmla="*/ 624769 w 1177219"/>
+              <a:gd name="connsiteY2" fmla="*/ 1830557 h 2910325"/>
+              <a:gd name="connsiteX3" fmla="*/ 7586 w 1177219"/>
+              <a:gd name="connsiteY3" fmla="*/ 595081 h 2910325"/>
+              <a:gd name="connsiteX4" fmla="*/ 335783 w 1177219"/>
+              <a:gd name="connsiteY4" fmla="*/ 0 h 2910325"/>
+              <a:gd name="connsiteX0" fmla="*/ 1175725 w 1175725"/>
+              <a:gd name="connsiteY0" fmla="*/ 2950623 h 2963591"/>
+              <a:gd name="connsiteX1" fmla="*/ 928075 w 1175725"/>
+              <a:gd name="connsiteY1" fmla="*/ 2645823 h 2963591"/>
+              <a:gd name="connsiteX2" fmla="*/ 623275 w 1175725"/>
+              <a:gd name="connsiteY2" fmla="*/ 1883823 h 2963591"/>
+              <a:gd name="connsiteX3" fmla="*/ 6092 w 1175725"/>
+              <a:gd name="connsiteY3" fmla="*/ 648347 h 2963591"/>
+              <a:gd name="connsiteX4" fmla="*/ 387555 w 1175725"/>
+              <a:gd name="connsiteY4" fmla="*/ 0 h 2963591"/>
             </a:gdLst>
             <a:ahLst/>
             <a:cxnLst>
@@ -9493,36 +9533,36 @@
             </a:cxnLst>
             <a:rect l="l" t="t" r="r" b="b"/>
             <a:pathLst>
-              <a:path w="1154110" h="2803793">
+              <a:path w="1175725" h="2963591">
                 <a:moveTo>
-                  <a:pt x="1154110" y="2790825"/>
+                  <a:pt x="1175725" y="2950623"/>
                 </a:moveTo>
                 <a:cubicBezTo>
-                  <a:pt x="1142997" y="2855912"/>
-                  <a:pt x="998535" y="2663825"/>
-                  <a:pt x="906460" y="2486025"/>
+                  <a:pt x="1164612" y="3015710"/>
+                  <a:pt x="1020150" y="2823623"/>
+                  <a:pt x="928075" y="2645823"/>
                 </a:cubicBezTo>
                 <a:cubicBezTo>
-                  <a:pt x="814385" y="2308225"/>
-                  <a:pt x="750885" y="2028825"/>
-                  <a:pt x="601660" y="1724025"/>
+                  <a:pt x="836000" y="2468023"/>
+                  <a:pt x="776939" y="2216736"/>
+                  <a:pt x="623275" y="1883823"/>
                 </a:cubicBezTo>
                 <a:cubicBezTo>
-                  <a:pt x="452435" y="1419225"/>
-                  <a:pt x="57148" y="939800"/>
-                  <a:pt x="11110" y="657225"/>
+                  <a:pt x="469611" y="1550910"/>
+                  <a:pt x="52130" y="930922"/>
+                  <a:pt x="6092" y="648347"/>
                 </a:cubicBezTo>
                 <a:cubicBezTo>
-                  <a:pt x="-34928" y="374650"/>
-                  <a:pt x="64291" y="163512"/>
-                  <a:pt x="268285" y="0"/>
+                  <a:pt x="-39946" y="365772"/>
+                  <a:pt x="183561" y="163512"/>
+                  <a:pt x="387555" y="0"/>
                 </a:cubicBezTo>
               </a:path>
             </a:pathLst>
           </a:custGeom>
           <a:noFill/>
           <a:ln w="34925">
-            <a:headEnd type="none"/>
+            <a:headEnd type="triangle"/>
             <a:tailEnd type="triangle"/>
           </a:ln>
         </p:spPr>
@@ -20928,7 +20968,7 @@
         </p:nvSpPr>
         <p:spPr>
           <a:xfrm>
-            <a:off x="4928035" y="1248120"/>
+            <a:off x="4801522" y="2325337"/>
             <a:ext cx="5390050" cy="861774"/>
           </a:xfrm>
           <a:prstGeom prst="rect">
@@ -21232,7 +21272,7 @@
         </p:nvSpPr>
         <p:spPr>
           <a:xfrm>
-            <a:off x="4928035" y="2393742"/>
+            <a:off x="4785787" y="1261572"/>
             <a:ext cx="5390050" cy="861774"/>
           </a:xfrm>
           <a:prstGeom prst="rect">
@@ -21553,7 +21593,7 @@
           <a:p>
             <a:r>
               <a:rPr lang="en-GB" noProof="1"/>
-              <a:t>Microsoft.Network/vpnGateways/hub1_S2SvpnGW/vpnConnections/</a:t>
+              <a:t>Microsoft.Network/vpnGateways/hub2_S2SvpnGW/vpnConnections/</a:t>
             </a:r>
             <a:r>
               <a:rPr lang="en-GB" b="1" noProof="1"/>
@@ -27178,7 +27218,7 @@
         </p:nvSpPr>
         <p:spPr>
           <a:xfrm>
-            <a:off x="4448735" y="1189061"/>
+            <a:off x="4411170" y="2246869"/>
             <a:ext cx="5390050" cy="707886"/>
           </a:xfrm>
           <a:prstGeom prst="rect">
@@ -27484,7 +27524,7 @@
         </p:nvSpPr>
         <p:spPr>
           <a:xfrm>
-            <a:off x="4438583" y="2130567"/>
+            <a:off x="4411170" y="1264330"/>
             <a:ext cx="5390050" cy="707886"/>
           </a:xfrm>
           <a:prstGeom prst="rect">

--- a/vwan/02-vwan-route-to-shared-services-vnet/media/network-diagram.pptx
+++ b/vwan/02-vwan-route-to-shared-services-vnet/media/network-diagram.pptx
@@ -17889,7 +17889,7 @@
               <a:t>/hubRouteTables/</a:t>
             </a:r>
             <a:r>
-              <a:rPr lang="en-GB" noProof="1">
+              <a:rPr lang="en-GB" b="1" noProof="1">
                 <a:highlight>
                   <a:srgbClr val="FFFF00"/>
                 </a:highlight>

--- a/vwan/02-vwan-route-to-shared-services-vnet/media/network-diagram.pptx
+++ b/vwan/02-vwan-route-to-shared-services-vnet/media/network-diagram.pptx
@@ -25353,8 +25353,8 @@
         </p:nvCxnSpPr>
         <p:spPr>
           <a:xfrm>
-            <a:off x="3537063" y="2470931"/>
-            <a:ext cx="0" cy="467450"/>
+            <a:off x="3534276" y="2495230"/>
+            <a:ext cx="2787" cy="443151"/>
           </a:xfrm>
           <a:prstGeom prst="line">
             <a:avLst/>
@@ -27218,7 +27218,7 @@
         </p:nvSpPr>
         <p:spPr>
           <a:xfrm>
-            <a:off x="4411170" y="2246869"/>
+            <a:off x="4438583" y="1259337"/>
             <a:ext cx="5390050" cy="707886"/>
           </a:xfrm>
           <a:prstGeom prst="rect">
@@ -27265,7 +27265,7 @@
                 <a:effectLst/>
                 <a:latin typeface="Consolas" panose="020B0609020204030204" pitchFamily="49" charset="0"/>
               </a:rPr>
-              <a:t>vnet4_conn</a:t>
+              <a:t>vnet3_conn</a:t>
             </a:r>
           </a:p>
           <a:p>
@@ -27524,7 +27524,7 @@
         </p:nvSpPr>
         <p:spPr>
           <a:xfrm>
-            <a:off x="4411170" y="1264330"/>
+            <a:off x="4492948" y="2320797"/>
             <a:ext cx="5390050" cy="707886"/>
           </a:xfrm>
           <a:prstGeom prst="rect">
